--- a/3-Machine Learning/1-Supervisado/KNN/Machine Learning - KNN.pptx
+++ b/3-Machine Learning/1-Supervisado/KNN/Machine Learning - KNN.pptx
@@ -5977,7 +5977,7 @@
         <p:spPr>
           <a:xfrm>
             <a:off x="838080" y="2360645"/>
-            <a:ext cx="6113227" cy="2446824"/>
+            <a:ext cx="6113227" cy="4016484"/>
           </a:xfrm>
           <a:prstGeom prst="rect">
             <a:avLst/>
@@ -6003,22 +6003,6 @@
                 <a:cs typeface="Calibri" panose="020F0502020204030204" pitchFamily="34" charset="0"/>
               </a:rPr>
               <a:t>Cambiar el valor de K puede afectar el rendimiento del modelo, por lo que debemos buscar su valor óptimo.</a:t>
-            </a:r>
-          </a:p>
-          <a:p>
-            <a:pPr marL="285750" indent="-285750">
-              <a:buFont typeface="Arial" panose="020B0604020202020204" pitchFamily="34" charset="0"/>
-              <a:buChar char="•"/>
-            </a:pPr>
-            <a:r>
-              <a:rPr lang="es-ES" sz="1700" spc="-1" dirty="0">
-                <a:solidFill>
-                  <a:schemeClr val="bg1"/>
-                </a:solidFill>
-                <a:latin typeface="Calibri" panose="020F0502020204030204" pitchFamily="34" charset="0"/>
-                <a:cs typeface="Calibri" panose="020F0502020204030204" pitchFamily="34" charset="0"/>
-              </a:rPr>
-              <a:t>Investigación “iterativa”.</a:t>
             </a:r>
           </a:p>
           <a:p>
@@ -6047,8 +6031,107 @@
                 <a:latin typeface="Calibri" panose="020F0502020204030204" pitchFamily="34" charset="0"/>
                 <a:cs typeface="Calibri" panose="020F0502020204030204" pitchFamily="34" charset="0"/>
               </a:rPr>
-              <a:t>Para escoger el valor óptimo de K utilizaremos las métricas de medida de performance (</a:t>
-            </a:r>
+              <a:t>Investigación “iterativa”.</a:t>
+            </a:r>
+          </a:p>
+          <a:p>
+            <a:pPr marL="285750" indent="-285750">
+              <a:buFont typeface="Arial" panose="020B0604020202020204" pitchFamily="34" charset="0"/>
+              <a:buChar char="•"/>
+            </a:pPr>
+            <a:endParaRPr lang="es-ES" sz="1700" spc="-1" dirty="0">
+              <a:solidFill>
+                <a:schemeClr val="bg1"/>
+              </a:solidFill>
+              <a:latin typeface="Calibri" panose="020F0502020204030204" pitchFamily="34" charset="0"/>
+              <a:cs typeface="Calibri" panose="020F0502020204030204" pitchFamily="34" charset="0"/>
+            </a:endParaRPr>
+          </a:p>
+          <a:p>
+            <a:pPr marL="285750" indent="-285750">
+              <a:buFont typeface="Arial" panose="020B0604020202020204" pitchFamily="34" charset="0"/>
+              <a:buChar char="•"/>
+            </a:pPr>
+            <a:r>
+              <a:rPr lang="es-ES" sz="1700" spc="-1" dirty="0">
+                <a:solidFill>
+                  <a:schemeClr val="bg1"/>
+                </a:solidFill>
+                <a:latin typeface="Calibri" panose="020F0502020204030204" pitchFamily="34" charset="0"/>
+                <a:cs typeface="Calibri" panose="020F0502020204030204" pitchFamily="34" charset="0"/>
+              </a:rPr>
+              <a:t>Para escoger el valor óptimo de K utilizaremos las métricas de medida de performance:</a:t>
+            </a:r>
+          </a:p>
+          <a:p>
+            <a:pPr marL="1657350" lvl="3" indent="-285750">
+              <a:buFont typeface="Arial" panose="020B0604020202020204" pitchFamily="34" charset="0"/>
+              <a:buChar char="•"/>
+            </a:pPr>
+            <a:r>
+              <a:rPr lang="es-ES" sz="1700" spc="-1" dirty="0">
+                <a:solidFill>
+                  <a:schemeClr val="bg1"/>
+                </a:solidFill>
+                <a:latin typeface="Calibri" panose="020F0502020204030204" pitchFamily="34" charset="0"/>
+                <a:cs typeface="Calibri" panose="020F0502020204030204" pitchFamily="34" charset="0"/>
+              </a:rPr>
+              <a:t>Precisión</a:t>
+            </a:r>
+          </a:p>
+          <a:p>
+            <a:pPr marL="1657350" lvl="3" indent="-285750">
+              <a:buFont typeface="Arial" panose="020B0604020202020204" pitchFamily="34" charset="0"/>
+              <a:buChar char="•"/>
+            </a:pPr>
+            <a:r>
+              <a:rPr lang="es-ES" sz="1700" spc="-1" dirty="0">
+                <a:solidFill>
+                  <a:schemeClr val="bg1"/>
+                </a:solidFill>
+                <a:latin typeface="Calibri" panose="020F0502020204030204" pitchFamily="34" charset="0"/>
+                <a:cs typeface="Calibri" panose="020F0502020204030204" pitchFamily="34" charset="0"/>
+              </a:rPr>
+              <a:t>F1-score</a:t>
+            </a:r>
+          </a:p>
+          <a:p>
+            <a:pPr marL="1657350" lvl="3" indent="-285750">
+              <a:buFont typeface="Arial" panose="020B0604020202020204" pitchFamily="34" charset="0"/>
+              <a:buChar char="•"/>
+            </a:pPr>
+            <a:r>
+              <a:rPr lang="es-ES" sz="1700" spc="-1" dirty="0">
+                <a:solidFill>
+                  <a:schemeClr val="bg1"/>
+                </a:solidFill>
+                <a:latin typeface="Calibri" panose="020F0502020204030204" pitchFamily="34" charset="0"/>
+                <a:cs typeface="Calibri" panose="020F0502020204030204" pitchFamily="34" charset="0"/>
+              </a:rPr>
+              <a:t>Matriz de confusión</a:t>
+            </a:r>
+          </a:p>
+          <a:p>
+            <a:pPr marL="1657350" lvl="3" indent="-285750">
+              <a:buFont typeface="Arial" panose="020B0604020202020204" pitchFamily="34" charset="0"/>
+              <a:buChar char="•"/>
+            </a:pPr>
+            <a:r>
+              <a:rPr lang="es-ES" sz="1700" spc="-1" dirty="0">
+                <a:solidFill>
+                  <a:schemeClr val="bg1"/>
+                </a:solidFill>
+                <a:latin typeface="Calibri" panose="020F0502020204030204" pitchFamily="34" charset="0"/>
+                <a:cs typeface="Calibri" panose="020F0502020204030204" pitchFamily="34" charset="0"/>
+              </a:rPr>
+              <a:t>AUC</a:t>
+            </a:r>
+          </a:p>
+          <a:p>
+            <a:pPr marL="1657350" lvl="3" indent="-285750">
+              <a:buFont typeface="Arial" panose="020B0604020202020204" pitchFamily="34" charset="0"/>
+              <a:buChar char="•"/>
+            </a:pPr>
             <a:r>
               <a:rPr lang="es-ES" sz="1700" spc="-1" dirty="0" err="1">
                 <a:solidFill>
@@ -6057,38 +6140,15 @@
                 <a:latin typeface="Calibri" panose="020F0502020204030204" pitchFamily="34" charset="0"/>
                 <a:cs typeface="Calibri" panose="020F0502020204030204" pitchFamily="34" charset="0"/>
               </a:rPr>
-              <a:t>accuracy</a:t>
-            </a:r>
-            <a:r>
-              <a:rPr lang="es-ES" sz="1700" spc="-1" dirty="0">
-                <a:solidFill>
-                  <a:schemeClr val="bg1"/>
-                </a:solidFill>
-                <a:latin typeface="Calibri" panose="020F0502020204030204" pitchFamily="34" charset="0"/>
-                <a:cs typeface="Calibri" panose="020F0502020204030204" pitchFamily="34" charset="0"/>
-              </a:rPr>
-              <a:t>, f1-score, </a:t>
-            </a:r>
-            <a:r>
-              <a:rPr lang="es-ES" sz="1700" spc="-1" dirty="0" err="1">
-                <a:solidFill>
-                  <a:schemeClr val="bg1"/>
-                </a:solidFill>
-                <a:latin typeface="Calibri" panose="020F0502020204030204" pitchFamily="34" charset="0"/>
-                <a:cs typeface="Calibri" panose="020F0502020204030204" pitchFamily="34" charset="0"/>
-              </a:rPr>
               <a:t>etc</a:t>
             </a:r>
-            <a:r>
-              <a:rPr lang="es-ES" sz="1700" spc="-1" dirty="0">
-                <a:solidFill>
-                  <a:schemeClr val="bg1"/>
-                </a:solidFill>
-                <a:latin typeface="Calibri" panose="020F0502020204030204" pitchFamily="34" charset="0"/>
-                <a:cs typeface="Calibri" panose="020F0502020204030204" pitchFamily="34" charset="0"/>
-              </a:rPr>
-              <a:t>).</a:t>
-            </a:r>
+            <a:endParaRPr lang="es-ES" sz="1700" spc="-1" dirty="0">
+              <a:solidFill>
+                <a:schemeClr val="bg1"/>
+              </a:solidFill>
+              <a:latin typeface="Calibri" panose="020F0502020204030204" pitchFamily="34" charset="0"/>
+              <a:cs typeface="Calibri" panose="020F0502020204030204" pitchFamily="34" charset="0"/>
+            </a:endParaRPr>
           </a:p>
           <a:p>
             <a:pPr marL="285750" indent="-285750">

--- a/3-Machine Learning/1-Supervisado/KNN/Machine Learning - KNN.pptx
+++ b/3-Machine Learning/1-Supervisado/KNN/Machine Learning - KNN.pptx
@@ -4461,7 +4461,17 @@
                 <a:latin typeface="Calibri" panose="020F0502020204030204" pitchFamily="34" charset="0"/>
                 <a:cs typeface="Calibri" panose="020F0502020204030204" pitchFamily="34" charset="0"/>
               </a:rPr>
-              <a:t>Se suelen utilizar números impares (K=3).</a:t>
+              <a:t>Se suelen utilizar números impares para </a:t>
+            </a:r>
+            <a:r>
+              <a:rPr lang="es-ES" sz="1700" spc="-1">
+                <a:solidFill>
+                  <a:schemeClr val="bg1"/>
+                </a:solidFill>
+                <a:latin typeface="Calibri" panose="020F0502020204030204" pitchFamily="34" charset="0"/>
+                <a:cs typeface="Calibri" panose="020F0502020204030204" pitchFamily="34" charset="0"/>
+              </a:rPr>
+              <a:t>evitar empates.</a:t>
             </a:r>
             <a:endParaRPr lang="es-ES" sz="1700" b="0" strike="noStrike" spc="-1" dirty="0">
               <a:solidFill>

--- a/3-Machine Learning/1-Supervisado/KNN/Machine Learning - KNN.pptx
+++ b/3-Machine Learning/1-Supervisado/KNN/Machine Learning - KNN.pptx
@@ -5139,7 +5139,7 @@
                 <a:latin typeface="Calibri" panose="020F0502020204030204" pitchFamily="34" charset="0"/>
                 <a:cs typeface="Calibri" panose="020F0502020204030204" pitchFamily="34" charset="0"/>
               </a:rPr>
-              <a:t>Elegir valores pequeños de K conduce a límites de decisión muy sensibles o inestables. </a:t>
+              <a:t>Investigación “iterativa”.</a:t>
             </a:r>
           </a:p>
           <a:p>
@@ -5164,7 +5164,7 @@
                 <a:latin typeface="Calibri" panose="020F0502020204030204" pitchFamily="34" charset="0"/>
                 <a:cs typeface="Calibri" panose="020F0502020204030204" pitchFamily="34" charset="0"/>
               </a:rPr>
-              <a:t>Para clasificar, elegir valores mayores de K nos suaviza esos límites de decisión (reducimos efecto ruido).</a:t>
+              <a:t>Elegir valores pequeños de K conduce a límites de decisión muy sensibles o inestables. </a:t>
             </a:r>
           </a:p>
           <a:p>
@@ -5189,7 +5189,7 @@
                 <a:latin typeface="Calibri" panose="020F0502020204030204" pitchFamily="34" charset="0"/>
                 <a:cs typeface="Calibri" panose="020F0502020204030204" pitchFamily="34" charset="0"/>
               </a:rPr>
-              <a:t>¿Iterar sobre distintos valores de K?</a:t>
+              <a:t>Para clasificar, elegir valores mayores de K nos suaviza esos límites de decisión (reducimos efecto ruido).</a:t>
             </a:r>
           </a:p>
         </p:txBody>
@@ -5860,7 +5860,7 @@
         </p:nvSpPr>
         <p:spPr>
           <a:xfrm>
-            <a:off x="6200131" y="5398902"/>
+            <a:off x="6442043" y="5398902"/>
             <a:ext cx="5581713" cy="338554"/>
           </a:xfrm>
           <a:prstGeom prst="rect">
@@ -5879,12 +5879,102 @@
                 <a:effectLst/>
                 <a:latin typeface="charter"/>
               </a:rPr>
-              <a:t>Distancia euclidiana = [(100000–80000) ^ 2 + (30–25) ^ 2] ^ (1/2)</a:t>
+              <a:t>Distancia </a:t>
+            </a:r>
+            <a:r>
+              <a:rPr lang="es-ES" sz="1600" b="0" i="1" dirty="0" err="1">
+                <a:effectLst/>
+                <a:latin typeface="charter"/>
+              </a:rPr>
+              <a:t>euclídia</a:t>
+            </a:r>
+            <a:r>
+              <a:rPr lang="es-ES" sz="1600" b="0" i="1" dirty="0">
+                <a:effectLst/>
+                <a:latin typeface="charter"/>
+              </a:rPr>
+              <a:t> = [(100000–80000) ^ 2 + (30–25) ^ 2] ^ (1/2)</a:t>
             </a:r>
             <a:endParaRPr lang="es-ES" sz="1600" dirty="0"/>
           </a:p>
         </p:txBody>
       </p:sp>
+      <p:cxnSp>
+        <p:nvCxnSpPr>
+          <p:cNvPr id="3" name="Conector recto 2">
+            <a:extLst>
+              <a:ext uri="{FF2B5EF4-FFF2-40B4-BE49-F238E27FC236}">
+                <a16:creationId xmlns:a16="http://schemas.microsoft.com/office/drawing/2014/main" id="{C9D842E4-FE04-4741-BE8E-89F34F5EBAB4}"/>
+              </a:ext>
+            </a:extLst>
+          </p:cNvPr>
+          <p:cNvCxnSpPr>
+            <a:cxnSpLocks/>
+          </p:cNvCxnSpPr>
+          <p:nvPr/>
+        </p:nvCxnSpPr>
+        <p:spPr>
+          <a:xfrm>
+            <a:off x="6428792" y="5234473"/>
+            <a:ext cx="5430416" cy="563441"/>
+          </a:xfrm>
+          <a:prstGeom prst="line">
+            <a:avLst/>
+          </a:prstGeom>
+        </p:spPr>
+        <p:style>
+          <a:lnRef idx="1">
+            <a:schemeClr val="accent1"/>
+          </a:lnRef>
+          <a:fillRef idx="0">
+            <a:schemeClr val="accent1"/>
+          </a:fillRef>
+          <a:effectRef idx="0">
+            <a:schemeClr val="accent1"/>
+          </a:effectRef>
+          <a:fontRef idx="minor">
+            <a:schemeClr val="tx1"/>
+          </a:fontRef>
+        </p:style>
+      </p:cxnSp>
+      <p:cxnSp>
+        <p:nvCxnSpPr>
+          <p:cNvPr id="12" name="Conector recto 11">
+            <a:extLst>
+              <a:ext uri="{FF2B5EF4-FFF2-40B4-BE49-F238E27FC236}">
+                <a16:creationId xmlns:a16="http://schemas.microsoft.com/office/drawing/2014/main" id="{7CB09967-749D-47A9-82E9-FD399335B0FC}"/>
+              </a:ext>
+            </a:extLst>
+          </p:cNvPr>
+          <p:cNvCxnSpPr>
+            <a:cxnSpLocks/>
+          </p:cNvCxnSpPr>
+          <p:nvPr/>
+        </p:nvCxnSpPr>
+        <p:spPr>
+          <a:xfrm flipV="1">
+            <a:off x="6442043" y="5327781"/>
+            <a:ext cx="5417165" cy="587827"/>
+          </a:xfrm>
+          <a:prstGeom prst="line">
+            <a:avLst/>
+          </a:prstGeom>
+        </p:spPr>
+        <p:style>
+          <a:lnRef idx="1">
+            <a:schemeClr val="accent1"/>
+          </a:lnRef>
+          <a:fillRef idx="0">
+            <a:schemeClr val="accent1"/>
+          </a:fillRef>
+          <a:effectRef idx="0">
+            <a:schemeClr val="accent1"/>
+          </a:effectRef>
+          <a:fontRef idx="minor">
+            <a:schemeClr val="tx1"/>
+          </a:fontRef>
+        </p:style>
+      </p:cxnSp>
     </p:spTree>
     <p:extLst>
       <p:ext uri="{BB962C8B-B14F-4D97-AF65-F5344CB8AC3E}">
@@ -5987,7 +6077,7 @@
         <p:spPr>
           <a:xfrm>
             <a:off x="838080" y="2360645"/>
-            <a:ext cx="6113227" cy="4016484"/>
+            <a:ext cx="6113227" cy="3493264"/>
           </a:xfrm>
           <a:prstGeom prst="rect">
             <a:avLst/>
@@ -6016,39 +6106,6 @@
             </a:r>
           </a:p>
           <a:p>
-            <a:pPr marL="285750" indent="-285750">
-              <a:buFont typeface="Arial" panose="020B0604020202020204" pitchFamily="34" charset="0"/>
-              <a:buChar char="•"/>
-            </a:pPr>
-            <a:endParaRPr lang="es-ES" sz="1700" spc="-1" dirty="0">
-              <a:solidFill>
-                <a:schemeClr val="bg1"/>
-              </a:solidFill>
-              <a:latin typeface="Calibri" panose="020F0502020204030204" pitchFamily="34" charset="0"/>
-              <a:cs typeface="Calibri" panose="020F0502020204030204" pitchFamily="34" charset="0"/>
-            </a:endParaRPr>
-          </a:p>
-          <a:p>
-            <a:pPr marL="285750" indent="-285750">
-              <a:buFont typeface="Arial" panose="020B0604020202020204" pitchFamily="34" charset="0"/>
-              <a:buChar char="•"/>
-            </a:pPr>
-            <a:r>
-              <a:rPr lang="es-ES" sz="1700" spc="-1" dirty="0">
-                <a:solidFill>
-                  <a:schemeClr val="bg1"/>
-                </a:solidFill>
-                <a:latin typeface="Calibri" panose="020F0502020204030204" pitchFamily="34" charset="0"/>
-                <a:cs typeface="Calibri" panose="020F0502020204030204" pitchFamily="34" charset="0"/>
-              </a:rPr>
-              <a:t>Investigación “iterativa”.</a:t>
-            </a:r>
-          </a:p>
-          <a:p>
-            <a:pPr marL="285750" indent="-285750">
-              <a:buFont typeface="Arial" panose="020B0604020202020204" pitchFamily="34" charset="0"/>
-              <a:buChar char="•"/>
-            </a:pPr>
             <a:endParaRPr lang="es-ES" sz="1700" spc="-1" dirty="0">
               <a:solidFill>
                 <a:schemeClr val="bg1"/>
